--- a/Final defense ppt format.pptx
+++ b/Final defense ppt format.pptx
@@ -22,13 +22,14 @@
     <p:sldId id="346" r:id="rId15"/>
     <p:sldId id="347" r:id="rId16"/>
     <p:sldId id="348" r:id="rId17"/>
-    <p:sldId id="349" r:id="rId18"/>
-    <p:sldId id="330" r:id="rId19"/>
+    <p:sldId id="330" r:id="rId18"/>
+    <p:sldId id="362" r:id="rId19"/>
     <p:sldId id="350" r:id="rId20"/>
-    <p:sldId id="269" r:id="rId21"/>
-    <p:sldId id="351" r:id="rId22"/>
-    <p:sldId id="268" r:id="rId23"/>
-    <p:sldId id="266" r:id="rId24"/>
+    <p:sldId id="349" r:id="rId21"/>
+    <p:sldId id="269" r:id="rId22"/>
+    <p:sldId id="351" r:id="rId23"/>
+    <p:sldId id="268" r:id="rId24"/>
+    <p:sldId id="266" r:id="rId25"/>
   </p:sldIdLst>
   <p:sldSz cx="12192000" cy="6858000"/>
   <p:notesSz cx="6858000" cy="9144000"/>
@@ -4030,6 +4031,23 @@
               </a:spcAft>
               <a:buNone/>
             </a:pPr>
+            <a:r>
+              <a:rPr kumimoji="0" lang="en-US" sz="2400" b="1" i="0" u="sng" strike="noStrike" kern="1200" cap="none" spc="0" normalizeH="0" baseline="0" noProof="0" dirty="0">
+                <a:ln>
+                  <a:noFill/>
+                </a:ln>
+                <a:solidFill>
+                  <a:prstClr val="black"/>
+                </a:solidFill>
+                <a:effectLst/>
+                <a:uLnTx/>
+                <a:uFillTx/>
+                <a:latin typeface="Times New Roman" panose="02020603050405020304" pitchFamily="18" charset="0"/>
+                <a:ea typeface="+mn-ea"/>
+                <a:cs typeface="Times New Roman" panose="02020603050405020304" pitchFamily="18" charset="0"/>
+              </a:rPr>
+              <a:t>Narayan KC</a:t>
+            </a:r>
             <a:endParaRPr kumimoji="0" lang="en-US" sz="2400" b="1" i="0" u="sng" strike="noStrike" kern="1200" cap="none" spc="0" normalizeH="0" baseline="0" noProof="0" dirty="0">
               <a:ln>
                 <a:noFill/>
@@ -5141,7 +5159,14 @@
         <p:cNvGrpSpPr/>
         <p:nvPr/>
       </p:nvGrpSpPr>
-      <p:grpSpPr/>
+      <p:grpSpPr>
+        <a:xfrm>
+          <a:off x="0" y="0"/>
+          <a:ext cx="0" cy="0"/>
+          <a:chOff x="0" y="0"/>
+          <a:chExt cx="0" cy="0"/>
+        </a:xfrm>
+      </p:grpSpPr>
       <p:sp>
         <p:nvSpPr>
           <p:cNvPr id="2" name="Title 1"/>
@@ -5155,12 +5180,13 @@
         <p:spPr/>
         <p:txBody>
           <a:bodyPr/>
-          <a:p>
-            <a:r>
-              <a:rPr lang="en-US" b="1"/>
-              <a:t>			INCREMENTAL MODEL</a:t>
-            </a:r>
-            <a:endParaRPr lang="en-US" b="1"/>
+          <a:lstStyle/>
+          <a:p>
+            <a:r>
+              <a:rPr lang="en-US" b="1" dirty="0"/>
+              <a:t>RESULT ANALYSIS AND CONCLUSION</a:t>
+            </a:r>
+            <a:endParaRPr lang="en-US" b="1" dirty="0"/>
           </a:p>
         </p:txBody>
       </p:sp>
@@ -5177,6 +5203,7 @@
         <p:spPr/>
         <p:txBody>
           <a:bodyPr/>
+          <a:lstStyle/>
           <a:p>
             <a:fld id="{C7F208C7-5072-42F7-A919-16E2C96106FB}" type="slidenum">
               <a:rPr lang="en-US" smtClean="0"/>
@@ -5187,7 +5214,7 @@
       </p:sp>
       <p:pic>
         <p:nvPicPr>
-          <p:cNvPr id="6" name="Picture 6"/>
+          <p:cNvPr id="7" name="Picture 7" descr="C:\Users\Legion\OneDrive\Desktop\2.jpg2"/>
           <p:cNvPicPr>
             <a:picLocks noChangeAspect="1"/>
           </p:cNvPicPr>
@@ -5196,27 +5223,51 @@
           </p:nvPr>
         </p:nvPicPr>
         <p:blipFill>
-          <a:blip r:embed="rId1">
-            <a:extLst>
-              <a:ext uri="{28A0092B-C50C-407E-A947-70E740481C1C}">
-                <a14:useLocalDpi xmlns:a14="http://schemas.microsoft.com/office/drawing/2010/main" val="0"/>
-              </a:ext>
-            </a:extLst>
-          </a:blip>
+          <a:blip r:embed="rId1"/>
+          <a:srcRect/>
           <a:stretch>
             <a:fillRect/>
           </a:stretch>
         </p:blipFill>
         <p:spPr>
           <a:xfrm>
-            <a:off x="1605280" y="1825625"/>
-            <a:ext cx="8990330" cy="4351655"/>
+            <a:off x="2945130" y="2103438"/>
+            <a:ext cx="5320665" cy="3125470"/>
           </a:xfrm>
           <a:prstGeom prst="rect">
             <a:avLst/>
           </a:prstGeom>
         </p:spPr>
       </p:pic>
+      <p:sp>
+        <p:nvSpPr>
+          <p:cNvPr id="5" name="Text Box 4"/>
+          <p:cNvSpPr txBox="1"/>
+          <p:nvPr/>
+        </p:nvSpPr>
+        <p:spPr>
+          <a:xfrm>
+            <a:off x="4810760" y="5641975"/>
+            <a:ext cx="1590040" cy="368300"/>
+          </a:xfrm>
+          <a:prstGeom prst="rect">
+            <a:avLst/>
+          </a:prstGeom>
+          <a:noFill/>
+        </p:spPr>
+        <p:txBody>
+          <a:bodyPr wrap="none" rtlCol="0">
+            <a:spAutoFit/>
+          </a:bodyPr>
+          <a:p>
+            <a:r>
+              <a:rPr lang="en-US"/>
+              <a:t>fig: GUI Output</a:t>
+            </a:r>
+            <a:endParaRPr lang="en-US"/>
+          </a:p>
+        </p:txBody>
+      </p:sp>
     </p:spTree>
   </p:cSld>
   <p:clrMapOvr>
@@ -5234,62 +5285,10 @@
         <p:cNvGrpSpPr/>
         <p:nvPr/>
       </p:nvGrpSpPr>
-      <p:grpSpPr>
-        <a:xfrm>
-          <a:off x="0" y="0"/>
-          <a:ext cx="0" cy="0"/>
-          <a:chOff x="0" y="0"/>
-          <a:chExt cx="0" cy="0"/>
-        </a:xfrm>
-      </p:grpSpPr>
-      <p:sp>
-        <p:nvSpPr>
-          <p:cNvPr id="2" name="Title 1"/>
-          <p:cNvSpPr>
-            <a:spLocks noGrp="1"/>
-          </p:cNvSpPr>
-          <p:nvPr>
-            <p:ph type="title"/>
-          </p:nvPr>
-        </p:nvSpPr>
-        <p:spPr/>
-        <p:txBody>
-          <a:bodyPr/>
-          <a:lstStyle/>
-          <a:p>
-            <a:r>
-              <a:rPr lang="en-US" b="1" dirty="0"/>
-              <a:t>RESULT ANALYSIS AND CONCLUSION</a:t>
-            </a:r>
-            <a:endParaRPr lang="en-US" b="1" dirty="0"/>
-          </a:p>
-        </p:txBody>
-      </p:sp>
-      <p:sp>
-        <p:nvSpPr>
-          <p:cNvPr id="4" name="Slide Number Placeholder 3"/>
-          <p:cNvSpPr>
-            <a:spLocks noGrp="1"/>
-          </p:cNvSpPr>
-          <p:nvPr>
-            <p:ph type="sldNum" sz="quarter" idx="12"/>
-          </p:nvPr>
-        </p:nvSpPr>
-        <p:spPr/>
-        <p:txBody>
-          <a:bodyPr/>
-          <a:lstStyle/>
-          <a:p>
-            <a:fld id="{C7F208C7-5072-42F7-A919-16E2C96106FB}" type="slidenum">
-              <a:rPr lang="en-US" smtClean="0"/>
-            </a:fld>
-            <a:endParaRPr lang="en-US"/>
-          </a:p>
-        </p:txBody>
-      </p:sp>
+      <p:grpSpPr/>
       <p:pic>
         <p:nvPicPr>
-          <p:cNvPr id="7" name="Picture 7"/>
+          <p:cNvPr id="5" name="Content Placeholder 4" descr="output"/>
           <p:cNvPicPr>
             <a:picLocks noChangeAspect="1"/>
           </p:cNvPicPr>
@@ -5298,21 +5297,15 @@
           </p:nvPr>
         </p:nvPicPr>
         <p:blipFill>
-          <a:blip r:embed="rId1">
-            <a:extLst>
-              <a:ext uri="{28A0092B-C50C-407E-A947-70E740481C1C}">
-                <a14:useLocalDpi xmlns:a14="http://schemas.microsoft.com/office/drawing/2010/main" val="0"/>
-              </a:ext>
-            </a:extLst>
-          </a:blip>
+          <a:blip r:embed="rId1"/>
           <a:stretch>
             <a:fillRect/>
           </a:stretch>
         </p:blipFill>
         <p:spPr>
           <a:xfrm>
-            <a:off x="2934970" y="1490345"/>
-            <a:ext cx="5320665" cy="4351655"/>
+            <a:off x="2815590" y="893445"/>
+            <a:ext cx="6620510" cy="4462145"/>
           </a:xfrm>
           <a:prstGeom prst="rect">
             <a:avLst/>
@@ -5321,14 +5314,35 @@
       </p:pic>
       <p:sp>
         <p:nvSpPr>
-          <p:cNvPr id="5" name="Text Box 4"/>
+          <p:cNvPr id="4" name="Slide Number Placeholder 3"/>
+          <p:cNvSpPr>
+            <a:spLocks noGrp="1"/>
+          </p:cNvSpPr>
+          <p:nvPr>
+            <p:ph type="sldNum" sz="quarter" idx="12"/>
+          </p:nvPr>
+        </p:nvSpPr>
+        <p:spPr/>
+        <p:txBody>
+          <a:bodyPr/>
+          <a:p>
+            <a:fld id="{C7F208C7-5072-42F7-A919-16E2C96106FB}" type="slidenum">
+              <a:rPr lang="en-US" smtClean="0"/>
+            </a:fld>
+            <a:endParaRPr lang="en-US"/>
+          </a:p>
+        </p:txBody>
+      </p:sp>
+      <p:sp>
+        <p:nvSpPr>
+          <p:cNvPr id="6" name="Text Box 5"/>
           <p:cNvSpPr txBox="1"/>
           <p:nvPr/>
         </p:nvSpPr>
         <p:spPr>
           <a:xfrm>
-            <a:off x="4269105" y="6055360"/>
-            <a:ext cx="2794635" cy="368300"/>
+            <a:off x="5017770" y="5497830"/>
+            <a:ext cx="2155825" cy="368300"/>
           </a:xfrm>
           <a:prstGeom prst="rect">
             <a:avLst/>
@@ -5342,7 +5356,7 @@
           <a:p>
             <a:r>
               <a:rPr lang="en-US"/>
-              <a:t>fig: Prediction on Testing set</a:t>
+              <a:t>Fig: Confusion Matrix</a:t>
             </a:r>
             <a:endParaRPr lang="en-US"/>
           </a:p>
@@ -5389,13 +5403,11 @@
       </p:sp>
       <p:pic>
         <p:nvPicPr>
-          <p:cNvPr id="8" name="Picture 8"/>
+          <p:cNvPr id="9" name="Picture 9"/>
           <p:cNvPicPr>
             <a:picLocks noChangeAspect="1"/>
           </p:cNvPicPr>
-          <p:nvPr>
-            <p:ph idx="1"/>
-          </p:nvPr>
+          <p:nvPr/>
         </p:nvPicPr>
         <p:blipFill>
           <a:blip r:embed="rId1">
@@ -5411,8 +5423,8 @@
         </p:blipFill>
         <p:spPr>
           <a:xfrm>
-            <a:off x="3154680" y="273050"/>
-            <a:ext cx="5455920" cy="1996440"/>
+            <a:off x="3068955" y="947420"/>
+            <a:ext cx="6140450" cy="4236085"/>
           </a:xfrm>
           <a:prstGeom prst="rect">
             <a:avLst/>
@@ -5421,75 +5433,13 @@
       </p:pic>
       <p:sp>
         <p:nvSpPr>
-          <p:cNvPr id="5" name="Text Box 4"/>
-          <p:cNvSpPr txBox="1"/>
-          <p:nvPr/>
-        </p:nvSpPr>
-        <p:spPr>
-          <a:xfrm>
-            <a:off x="4340860" y="2361565"/>
-            <a:ext cx="2832735" cy="645160"/>
-          </a:xfrm>
-          <a:prstGeom prst="rect">
-            <a:avLst/>
-          </a:prstGeom>
-          <a:noFill/>
-        </p:spPr>
-        <p:txBody>
-          <a:bodyPr wrap="none" rtlCol="0">
-            <a:spAutoFit/>
-          </a:bodyPr>
-          <a:p>
-            <a:r>
-              <a:rPr lang="en-US"/>
-              <a:t>Fig: Prediction on own songs</a:t>
-            </a:r>
-            <a:endParaRPr lang="en-US"/>
-          </a:p>
-          <a:p>
-            <a:endParaRPr lang="en-US"/>
-          </a:p>
-        </p:txBody>
-      </p:sp>
-      <p:pic>
-        <p:nvPicPr>
-          <p:cNvPr id="9" name="Picture 9"/>
-          <p:cNvPicPr>
-            <a:picLocks noChangeAspect="1"/>
-          </p:cNvPicPr>
-          <p:nvPr/>
-        </p:nvPicPr>
-        <p:blipFill>
-          <a:blip r:embed="rId2">
-            <a:extLst>
-              <a:ext uri="{28A0092B-C50C-407E-A947-70E740481C1C}">
-                <a14:useLocalDpi xmlns:a14="http://schemas.microsoft.com/office/drawing/2010/main" val="0"/>
-              </a:ext>
-            </a:extLst>
-          </a:blip>
-          <a:stretch>
-            <a:fillRect/>
-          </a:stretch>
-        </p:blipFill>
-        <p:spPr>
-          <a:xfrm>
-            <a:off x="3481070" y="3098800"/>
-            <a:ext cx="4310380" cy="3096260"/>
-          </a:xfrm>
-          <a:prstGeom prst="rect">
-            <a:avLst/>
-          </a:prstGeom>
-        </p:spPr>
-      </p:pic>
-      <p:sp>
-        <p:nvSpPr>
           <p:cNvPr id="7" name="Text Box 6"/>
           <p:cNvSpPr txBox="1"/>
           <p:nvPr/>
         </p:nvSpPr>
         <p:spPr>
           <a:xfrm>
-            <a:off x="4216400" y="6195060"/>
+            <a:off x="4682490" y="5434330"/>
             <a:ext cx="3453130" cy="368300"/>
           </a:xfrm>
           <a:prstGeom prst="rect">
@@ -5527,6 +5477,99 @@
         <p:cNvGrpSpPr/>
         <p:nvPr/>
       </p:nvGrpSpPr>
+      <p:grpSpPr/>
+      <p:sp>
+        <p:nvSpPr>
+          <p:cNvPr id="2" name="Title 1"/>
+          <p:cNvSpPr>
+            <a:spLocks noGrp="1"/>
+          </p:cNvSpPr>
+          <p:nvPr>
+            <p:ph type="title"/>
+          </p:nvPr>
+        </p:nvSpPr>
+        <p:spPr/>
+        <p:txBody>
+          <a:bodyPr/>
+          <a:p>
+            <a:r>
+              <a:rPr lang="en-US" b="1"/>
+              <a:t>			INCREMENTAL MODEL</a:t>
+            </a:r>
+            <a:endParaRPr lang="en-US" b="1"/>
+          </a:p>
+        </p:txBody>
+      </p:sp>
+      <p:sp>
+        <p:nvSpPr>
+          <p:cNvPr id="4" name="Slide Number Placeholder 3"/>
+          <p:cNvSpPr>
+            <a:spLocks noGrp="1"/>
+          </p:cNvSpPr>
+          <p:nvPr>
+            <p:ph type="sldNum" sz="quarter" idx="12"/>
+          </p:nvPr>
+        </p:nvSpPr>
+        <p:spPr/>
+        <p:txBody>
+          <a:bodyPr/>
+          <a:p>
+            <a:fld id="{C7F208C7-5072-42F7-A919-16E2C96106FB}" type="slidenum">
+              <a:rPr lang="en-US" smtClean="0"/>
+            </a:fld>
+            <a:endParaRPr lang="en-US"/>
+          </a:p>
+        </p:txBody>
+      </p:sp>
+      <p:pic>
+        <p:nvPicPr>
+          <p:cNvPr id="6" name="Picture 6"/>
+          <p:cNvPicPr>
+            <a:picLocks noChangeAspect="1"/>
+          </p:cNvPicPr>
+          <p:nvPr>
+            <p:ph idx="1"/>
+          </p:nvPr>
+        </p:nvPicPr>
+        <p:blipFill>
+          <a:blip r:embed="rId1">
+            <a:extLst>
+              <a:ext uri="{28A0092B-C50C-407E-A947-70E740481C1C}">
+                <a14:useLocalDpi xmlns:a14="http://schemas.microsoft.com/office/drawing/2010/main" val="0"/>
+              </a:ext>
+            </a:extLst>
+          </a:blip>
+          <a:stretch>
+            <a:fillRect/>
+          </a:stretch>
+        </p:blipFill>
+        <p:spPr>
+          <a:xfrm>
+            <a:off x="1605280" y="1825625"/>
+            <a:ext cx="8990330" cy="4351655"/>
+          </a:xfrm>
+          <a:prstGeom prst="rect">
+            <a:avLst/>
+          </a:prstGeom>
+        </p:spPr>
+      </p:pic>
+    </p:spTree>
+  </p:cSld>
+  <p:clrMapOvr>
+    <a:masterClrMapping/>
+  </p:clrMapOvr>
+</p:sld>
+</file>
+
+<file path=ppt/slides/slide19.xml><?xml version="1.0" encoding="utf-8"?>
+<p:sld xmlns:a="http://schemas.openxmlformats.org/drawingml/2006/main" xmlns:r="http://schemas.openxmlformats.org/officeDocument/2006/relationships" xmlns:p="http://schemas.openxmlformats.org/presentationml/2006/main">
+  <p:cSld>
+    <p:spTree>
+      <p:nvGrpSpPr>
+        <p:cNvPr id="1" name=""/>
+        <p:cNvGrpSpPr/>
+        <p:nvPr/>
+      </p:nvGrpSpPr>
       <p:grpSpPr>
         <a:xfrm>
           <a:off x="0" y="0"/>
@@ -5645,7 +5688,7 @@
         <p:spPr>
           <a:xfrm>
             <a:off x="838200" y="1825625"/>
-            <a:ext cx="10893245" cy="3383915"/>
+            <a:ext cx="10893245" cy="2910205"/>
           </a:xfrm>
           <a:prstGeom prst="rect">
             <a:avLst/>
@@ -5750,26 +5793,6 @@
                 <a:cs typeface="Times New Roman" panose="02020603050405020304" pitchFamily="18" charset="0"/>
               </a:rPr>
               <a:t>Limited computing resources</a:t>
-            </a:r>
-            <a:endParaRPr lang="en-US" sz="2800" dirty="0">
-              <a:latin typeface="Times New Roman" panose="02020603050405020304" pitchFamily="18" charset="0"/>
-              <a:cs typeface="Times New Roman" panose="02020603050405020304" pitchFamily="18" charset="0"/>
-            </a:endParaRPr>
-          </a:p>
-          <a:p>
-            <a:pPr marL="457200" indent="-457200">
-              <a:lnSpc>
-                <a:spcPct val="110000"/>
-              </a:lnSpc>
-              <a:buFont typeface="Wingdings" panose="05000000000000000000" charset="0"/>
-              <a:buChar char="Ø"/>
-            </a:pPr>
-            <a:r>
-              <a:rPr lang="en-US" sz="2800" dirty="0">
-                <a:latin typeface="Times New Roman" panose="02020603050405020304" pitchFamily="18" charset="0"/>
-                <a:cs typeface="Times New Roman" panose="02020603050405020304" pitchFamily="18" charset="0"/>
-              </a:rPr>
-              <a:t>No GUI</a:t>
             </a:r>
             <a:endParaRPr lang="en-US" sz="2800" dirty="0">
               <a:latin typeface="Times New Roman" panose="02020603050405020304" pitchFamily="18" charset="0"/>
@@ -5819,138 +5842,6 @@
           </a:extLst>
         </p:spPr>
       </p:pic>
-    </p:spTree>
-  </p:cSld>
-  <p:clrMapOvr>
-    <a:masterClrMapping/>
-  </p:clrMapOvr>
-</p:sld>
-</file>
-
-<file path=ppt/slides/slide19.xml><?xml version="1.0" encoding="utf-8"?>
-<p:sld xmlns:a="http://schemas.openxmlformats.org/drawingml/2006/main" xmlns:r="http://schemas.openxmlformats.org/officeDocument/2006/relationships" xmlns:p="http://schemas.openxmlformats.org/presentationml/2006/main">
-  <p:cSld>
-    <p:spTree>
-      <p:nvGrpSpPr>
-        <p:cNvPr id="1" name=""/>
-        <p:cNvGrpSpPr/>
-        <p:nvPr/>
-      </p:nvGrpSpPr>
-      <p:grpSpPr/>
-      <p:sp>
-        <p:nvSpPr>
-          <p:cNvPr id="6" name="Content Placeholder 5"/>
-          <p:cNvSpPr>
-            <a:spLocks noGrp="1"/>
-          </p:cNvSpPr>
-          <p:nvPr>
-            <p:ph idx="1"/>
-          </p:nvPr>
-        </p:nvSpPr>
-        <p:spPr>
-          <a:xfrm>
-            <a:off x="838200" y="761365"/>
-            <a:ext cx="10515600" cy="5415915"/>
-          </a:xfrm>
-        </p:spPr>
-        <p:txBody>
-          <a:bodyPr>
-            <a:normAutofit/>
-          </a:bodyPr>
-          <a:p>
-            <a:pPr marL="0" indent="0">
-              <a:buNone/>
-            </a:pPr>
-            <a:r>
-              <a:rPr lang="en-US" sz="4000" b="1"/>
-              <a:t>Future Enhancements</a:t>
-            </a:r>
-            <a:endParaRPr lang="en-US" sz="4000" b="1"/>
-          </a:p>
-          <a:p>
-            <a:pPr marL="0" indent="0">
-              <a:buNone/>
-            </a:pPr>
-            <a:endParaRPr lang="en-US"/>
-          </a:p>
-          <a:p>
-            <a:pPr>
-              <a:buFont typeface="Wingdings" panose="05000000000000000000" charset="0"/>
-              <a:buChar char="Ø"/>
-            </a:pPr>
-            <a:r>
-              <a:rPr lang="en-US"/>
-              <a:t>Using more sophisticated CNN architectures</a:t>
-            </a:r>
-            <a:endParaRPr lang="en-US"/>
-          </a:p>
-          <a:p>
-            <a:pPr>
-              <a:buFont typeface="Wingdings" panose="05000000000000000000" charset="0"/>
-              <a:buChar char="Ø"/>
-            </a:pPr>
-            <a:r>
-              <a:rPr lang="en-US"/>
-              <a:t>Incorporating additional features</a:t>
-            </a:r>
-            <a:endParaRPr lang="en-US"/>
-          </a:p>
-          <a:p>
-            <a:pPr>
-              <a:buFont typeface="Wingdings" panose="05000000000000000000" charset="0"/>
-              <a:buChar char="Ø"/>
-            </a:pPr>
-            <a:r>
-              <a:rPr lang="en-US"/>
-              <a:t>Applying transfer learning</a:t>
-            </a:r>
-            <a:endParaRPr lang="en-US"/>
-          </a:p>
-          <a:p>
-            <a:pPr>
-              <a:buFont typeface="Wingdings" panose="05000000000000000000" charset="0"/>
-              <a:buChar char="Ø"/>
-            </a:pPr>
-            <a:r>
-              <a:rPr lang="en-US"/>
-              <a:t>Combining multiple models</a:t>
-            </a:r>
-            <a:endParaRPr lang="en-US"/>
-          </a:p>
-          <a:p>
-            <a:pPr>
-              <a:buFont typeface="Wingdings" panose="05000000000000000000" charset="0"/>
-              <a:buChar char="Ø"/>
-            </a:pPr>
-            <a:r>
-              <a:rPr lang="en-US"/>
-              <a:t>Addition of a GUI</a:t>
-            </a:r>
-            <a:endParaRPr lang="en-US"/>
-          </a:p>
-        </p:txBody>
-      </p:sp>
-      <p:sp>
-        <p:nvSpPr>
-          <p:cNvPr id="4" name="Slide Number Placeholder 3"/>
-          <p:cNvSpPr>
-            <a:spLocks noGrp="1"/>
-          </p:cNvSpPr>
-          <p:nvPr>
-            <p:ph type="sldNum" sz="quarter" idx="12"/>
-          </p:nvPr>
-        </p:nvSpPr>
-        <p:spPr/>
-        <p:txBody>
-          <a:bodyPr/>
-          <a:p>
-            <a:fld id="{C7F208C7-5072-42F7-A919-16E2C96106FB}" type="slidenum">
-              <a:rPr lang="en-US" smtClean="0"/>
-            </a:fld>
-            <a:endParaRPr lang="en-US"/>
-          </a:p>
-        </p:txBody>
-      </p:sp>
     </p:spTree>
   </p:cSld>
   <p:clrMapOvr>
@@ -6383,6 +6274,127 @@
         <p:cNvGrpSpPr/>
         <p:nvPr/>
       </p:nvGrpSpPr>
+      <p:grpSpPr/>
+      <p:sp>
+        <p:nvSpPr>
+          <p:cNvPr id="6" name="Content Placeholder 5"/>
+          <p:cNvSpPr>
+            <a:spLocks noGrp="1"/>
+          </p:cNvSpPr>
+          <p:nvPr>
+            <p:ph idx="1"/>
+          </p:nvPr>
+        </p:nvSpPr>
+        <p:spPr>
+          <a:xfrm>
+            <a:off x="838200" y="761365"/>
+            <a:ext cx="10515600" cy="5415915"/>
+          </a:xfrm>
+        </p:spPr>
+        <p:txBody>
+          <a:bodyPr>
+            <a:normAutofit/>
+          </a:bodyPr>
+          <a:p>
+            <a:pPr marL="0" indent="0">
+              <a:buNone/>
+            </a:pPr>
+            <a:r>
+              <a:rPr lang="en-US" sz="4000" b="1"/>
+              <a:t>Future Enhancements</a:t>
+            </a:r>
+            <a:endParaRPr lang="en-US" sz="4000" b="1"/>
+          </a:p>
+          <a:p>
+            <a:pPr marL="0" indent="0">
+              <a:buNone/>
+            </a:pPr>
+            <a:endParaRPr lang="en-US"/>
+          </a:p>
+          <a:p>
+            <a:pPr>
+              <a:buFont typeface="Wingdings" panose="05000000000000000000" charset="0"/>
+              <a:buChar char="Ø"/>
+            </a:pPr>
+            <a:r>
+              <a:rPr lang="en-US"/>
+              <a:t>Using more sophisticated CNN architectures</a:t>
+            </a:r>
+            <a:endParaRPr lang="en-US"/>
+          </a:p>
+          <a:p>
+            <a:pPr>
+              <a:buFont typeface="Wingdings" panose="05000000000000000000" charset="0"/>
+              <a:buChar char="Ø"/>
+            </a:pPr>
+            <a:r>
+              <a:rPr lang="en-US"/>
+              <a:t>Incorporating additional features</a:t>
+            </a:r>
+            <a:endParaRPr lang="en-US"/>
+          </a:p>
+          <a:p>
+            <a:pPr>
+              <a:buFont typeface="Wingdings" panose="05000000000000000000" charset="0"/>
+              <a:buChar char="Ø"/>
+            </a:pPr>
+            <a:r>
+              <a:rPr lang="en-US"/>
+              <a:t>Applying transfer learning</a:t>
+            </a:r>
+            <a:endParaRPr lang="en-US"/>
+          </a:p>
+          <a:p>
+            <a:pPr>
+              <a:buFont typeface="Wingdings" panose="05000000000000000000" charset="0"/>
+              <a:buChar char="Ø"/>
+            </a:pPr>
+            <a:r>
+              <a:rPr lang="en-US"/>
+              <a:t>Combining multiple models</a:t>
+            </a:r>
+            <a:endParaRPr lang="en-US"/>
+          </a:p>
+        </p:txBody>
+      </p:sp>
+      <p:sp>
+        <p:nvSpPr>
+          <p:cNvPr id="4" name="Slide Number Placeholder 3"/>
+          <p:cNvSpPr>
+            <a:spLocks noGrp="1"/>
+          </p:cNvSpPr>
+          <p:nvPr>
+            <p:ph type="sldNum" sz="quarter" idx="12"/>
+          </p:nvPr>
+        </p:nvSpPr>
+        <p:spPr/>
+        <p:txBody>
+          <a:bodyPr/>
+          <a:p>
+            <a:fld id="{C7F208C7-5072-42F7-A919-16E2C96106FB}" type="slidenum">
+              <a:rPr lang="en-US" smtClean="0"/>
+            </a:fld>
+            <a:endParaRPr lang="en-US"/>
+          </a:p>
+        </p:txBody>
+      </p:sp>
+    </p:spTree>
+  </p:cSld>
+  <p:clrMapOvr>
+    <a:masterClrMapping/>
+  </p:clrMapOvr>
+</p:sld>
+</file>
+
+<file path=ppt/slides/slide21.xml><?xml version="1.0" encoding="utf-8"?>
+<p:sld xmlns:a="http://schemas.openxmlformats.org/drawingml/2006/main" xmlns:r="http://schemas.openxmlformats.org/officeDocument/2006/relationships" xmlns:p="http://schemas.openxmlformats.org/presentationml/2006/main">
+  <p:cSld>
+    <p:spTree>
+      <p:nvGrpSpPr>
+        <p:cNvPr id="1" name=""/>
+        <p:cNvGrpSpPr/>
+        <p:nvPr/>
+      </p:nvGrpSpPr>
       <p:grpSpPr>
         <a:xfrm>
           <a:off x="0" y="0"/>
@@ -6598,7 +6610,7 @@
 </p:sld>
 </file>
 
-<file path=ppt/slides/slide21.xml><?xml version="1.0" encoding="utf-8"?>
+<file path=ppt/slides/slide22.xml><?xml version="1.0" encoding="utf-8"?>
 <p:sld xmlns:a="http://schemas.openxmlformats.org/drawingml/2006/main" xmlns:r="http://schemas.openxmlformats.org/officeDocument/2006/relationships" xmlns:p="http://schemas.openxmlformats.org/presentationml/2006/main">
   <p:cSld>
     <p:spTree>
@@ -7843,9 +7855,28 @@
               </a:rPr>
               <a:t>Documentation and open-source release of the code and trained model to promote further research in the field of music genre classification using CNN.</a:t>
             </a:r>
-            <a:endParaRPr lang="en-US" dirty="0"/>
-          </a:p>
-          <a:p>
+            <a:endParaRPr lang="en-US" dirty="0">
+              <a:sym typeface="+mn-ea"/>
+            </a:endParaRPr>
+          </a:p>
+          <a:p>
+            <a:pPr>
+              <a:buFont typeface="Wingdings" panose="05000000000000000000" charset="0"/>
+              <a:buChar char="Ø"/>
+            </a:pPr>
+            <a:endParaRPr lang="en-US" dirty="0">
+              <a:sym typeface="+mn-ea"/>
+            </a:endParaRPr>
+          </a:p>
+          <a:p>
+            <a:pPr>
+              <a:buFont typeface="Wingdings" panose="05000000000000000000" charset="0"/>
+              <a:buChar char="Ø"/>
+            </a:pPr>
+            <a:r>
+              <a:rPr lang="en-US" dirty="0"/>
+              <a:t>Usage of proper activation function which prevents overfitting problem.</a:t>
+            </a:r>
             <a:endParaRPr lang="en-US"/>
           </a:p>
         </p:txBody>
